--- a/Welocalize/Senior_Data_Analyst/Welocalize Case Study Slide Deck.pptx
+++ b/Welocalize/Senior_Data_Analyst/Welocalize Case Study Slide Deck.pptx
@@ -9487,7 +9487,7 @@
                   <a:srgbClr val="E69138"/>
                 </a:solidFill>
               </a:rPr>
-              <a:t>For Python: Kaggle notebook to create ipynb</a:t>
+              <a:t>For Python: Kaggle platform to create Jupyter Notebook to perform analysis</a:t>
             </a:r>
             <a:endParaRPr sz="1400">
               <a:solidFill>
